--- a/Dokumente/Präsentationen/2019-04_15_DA_Feldkemper.pptx
+++ b/Dokumente/Präsentationen/2019-04_15_DA_Feldkemper.pptx
@@ -17,14 +17,14 @@
   <p:notesSz cx="6858000" cy="9144000"/>
   <p:embeddedFontLst>
     <p:embeddedFont>
-      <p:font typeface="Calibri" panose="020F0502020204030204" pitchFamily="34" charset="0"/>
+      <p:font typeface="Open Sans" panose="020B0604020202020204" charset="0"/>
       <p:regular r:id="rId5"/>
       <p:bold r:id="rId6"/>
       <p:italic r:id="rId7"/>
       <p:boldItalic r:id="rId8"/>
     </p:embeddedFont>
     <p:embeddedFont>
-      <p:font typeface="Open Sans" panose="020B0604020202020204" charset="0"/>
+      <p:font typeface="Calibri" panose="020F0502020204030204" pitchFamily="34" charset="0"/>
       <p:regular r:id="rId9"/>
       <p:bold r:id="rId10"/>
       <p:italic r:id="rId11"/>
@@ -228,7 +228,7 @@
           <a:p>
             <a:fld id="{C6AC6211-610F-44E5-BF19-D3CDF6EDD281}" type="datetimeFigureOut">
               <a:rPr lang="de-DE" smtClean="0"/>
-              <a:t>11.04.2019</a:t>
+              <a:t>15.04.2019</a:t>
             </a:fld>
             <a:endParaRPr lang="de-DE"/>
           </a:p>
@@ -394,7 +394,7 @@
           <a:p>
             <a:fld id="{347435D3-23A6-45D3-8DFA-7317DC1E7A64}" type="datetimeFigureOut">
               <a:rPr lang="de-DE" smtClean="0"/>
-              <a:t>11.04.2019</a:t>
+              <a:t>15.04.2019</a:t>
             </a:fld>
             <a:endParaRPr lang="de-DE"/>
           </a:p>
@@ -4139,8 +4139,8 @@
         </p:nvSpPr>
         <p:spPr>
           <a:xfrm>
-            <a:off x="6959599" y="4486276"/>
-            <a:ext cx="4670425" cy="1569660"/>
+            <a:off x="6959599" y="4019551"/>
+            <a:ext cx="4670425" cy="1815882"/>
           </a:xfrm>
           <a:prstGeom prst="rect">
             <a:avLst/>
@@ -4167,17 +4167,6 @@
               <a:rPr lang="de-DE" sz="1600" dirty="0" smtClean="0"/>
               <a:t>Umfrage größtenteils durchgeführt</a:t>
             </a:r>
-            <a:endParaRPr lang="de-DE" sz="1600" dirty="0" smtClean="0"/>
-          </a:p>
-          <a:p>
-            <a:r>
-              <a:rPr lang="de-DE" sz="1600" b="1" dirty="0" err="1" smtClean="0"/>
-              <a:t>ToDo</a:t>
-            </a:r>
-            <a:r>
-              <a:rPr lang="de-DE" sz="1600" b="1" dirty="0" smtClean="0"/>
-              <a:t>:</a:t>
-            </a:r>
           </a:p>
           <a:p>
             <a:pPr marL="285750" indent="-285750">
@@ -4186,7 +4175,17 @@
             </a:pPr>
             <a:r>
               <a:rPr lang="de-DE" sz="1600" dirty="0" smtClean="0"/>
-              <a:t>Umfrage auswerten</a:t>
+              <a:t>Kapitel Analyse, Konzept, Implementierung</a:t>
+            </a:r>
+          </a:p>
+          <a:p>
+            <a:r>
+              <a:rPr lang="de-DE" sz="1600" b="1" dirty="0" err="1" smtClean="0"/>
+              <a:t>ToDo</a:t>
+            </a:r>
+            <a:r>
+              <a:rPr lang="de-DE" sz="1600" b="1" dirty="0" smtClean="0"/>
+              <a:t>:</a:t>
             </a:r>
           </a:p>
           <a:p>
@@ -4196,7 +4195,7 @@
             </a:pPr>
             <a:r>
               <a:rPr lang="de-DE" sz="1600" dirty="0" smtClean="0"/>
-              <a:t>Korrekturen</a:t>
+              <a:t>Umfrage auswerten</a:t>
             </a:r>
           </a:p>
           <a:p>
@@ -4206,9 +4205,18 @@
             </a:pPr>
             <a:r>
               <a:rPr lang="de-DE" sz="1600" dirty="0" smtClean="0"/>
+              <a:t>Korrekturen</a:t>
+            </a:r>
+          </a:p>
+          <a:p>
+            <a:pPr marL="285750" indent="-285750">
+              <a:buFont typeface="Arial" panose="020B0604020202020204" pitchFamily="34" charset="0"/>
+              <a:buChar char="•"/>
+            </a:pPr>
+            <a:r>
+              <a:rPr lang="de-DE" sz="1600" dirty="0" smtClean="0"/>
               <a:t>Plakat erstellen, Verteidigung vorbereiten</a:t>
             </a:r>
-            <a:endParaRPr lang="de-DE" sz="1600" dirty="0" smtClean="0"/>
           </a:p>
         </p:txBody>
       </p:sp>
@@ -4221,7 +4229,7 @@
           <p:nvPr>
             <p:extLst>
               <p:ext uri="{D42A27DB-BD31-4B8C-83A1-F6EECF244321}">
-                <p14:modId xmlns:p14="http://schemas.microsoft.com/office/powerpoint/2010/main" val="2796723048"/>
+                <p14:modId xmlns:p14="http://schemas.microsoft.com/office/powerpoint/2010/main" val="2456311717"/>
               </p:ext>
             </p:extLst>
           </p:nvPr>
@@ -4401,7 +4409,7 @@
                       <a:pPr algn="r"/>
                       <a:r>
                         <a:rPr lang="de-DE" sz="1600" dirty="0" smtClean="0"/>
-                        <a:t>95%</a:t>
+                        <a:t>99%</a:t>
                       </a:r>
                       <a:endParaRPr lang="de-DE" sz="1600" dirty="0"/>
                     </a:p>
@@ -4658,11 +4666,7 @@
                       <a:pPr algn="r"/>
                       <a:r>
                         <a:rPr lang="de-DE" sz="1600" dirty="0" smtClean="0"/>
-                        <a:t>50</a:t>
-                      </a:r>
-                      <a:r>
-                        <a:rPr lang="de-DE" sz="1600" dirty="0" smtClean="0"/>
-                        <a:t>%</a:t>
+                        <a:t>50%</a:t>
                       </a:r>
                       <a:endParaRPr lang="de-DE" sz="1600" dirty="0"/>
                     </a:p>
@@ -4677,7 +4681,7 @@
                       <a:pPr algn="r"/>
                       <a:r>
                         <a:rPr lang="de-DE" sz="1600" dirty="0" smtClean="0"/>
-                        <a:t>x%</a:t>
+                        <a:t>70%</a:t>
                       </a:r>
                       <a:endParaRPr lang="de-DE" sz="1600" dirty="0"/>
                     </a:p>
@@ -4743,7 +4747,7 @@
                       <a:pPr algn="r"/>
                       <a:r>
                         <a:rPr lang="de-DE" sz="1600" dirty="0" smtClean="0"/>
-                        <a:t>10%</a:t>
+                        <a:t>15%</a:t>
                       </a:r>
                       <a:endParaRPr lang="de-DE" sz="1600" dirty="0"/>
                     </a:p>
